--- a/프로젝트관련문서/PawMap 화면설계.pptx
+++ b/프로젝트관련문서/PawMap 화면설계.pptx
@@ -263,7 +263,7 @@
           <a:p>
             <a:fld id="{27F1C691-57A7-4E6E-8A87-5BFD671F1F9F}" type="datetimeFigureOut">
               <a:rPr lang="ko-KR" altLang="en-US" smtClean="0"/>
-              <a:t>2021-11-18</a:t>
+              <a:t>2021-11-19</a:t>
             </a:fld>
             <a:endParaRPr lang="ko-KR" altLang="en-US" dirty="0"/>
           </a:p>
@@ -433,7 +433,7 @@
           <a:p>
             <a:fld id="{27F1C691-57A7-4E6E-8A87-5BFD671F1F9F}" type="datetimeFigureOut">
               <a:rPr lang="ko-KR" altLang="en-US" smtClean="0"/>
-              <a:t>2021-11-18</a:t>
+              <a:t>2021-11-19</a:t>
             </a:fld>
             <a:endParaRPr lang="ko-KR" altLang="en-US" dirty="0"/>
           </a:p>
@@ -613,7 +613,7 @@
           <a:p>
             <a:fld id="{27F1C691-57A7-4E6E-8A87-5BFD671F1F9F}" type="datetimeFigureOut">
               <a:rPr lang="ko-KR" altLang="en-US" smtClean="0"/>
-              <a:t>2021-11-18</a:t>
+              <a:t>2021-11-19</a:t>
             </a:fld>
             <a:endParaRPr lang="ko-KR" altLang="en-US" dirty="0"/>
           </a:p>
@@ -783,7 +783,7 @@
           <a:p>
             <a:fld id="{27F1C691-57A7-4E6E-8A87-5BFD671F1F9F}" type="datetimeFigureOut">
               <a:rPr lang="ko-KR" altLang="en-US" smtClean="0"/>
-              <a:t>2021-11-18</a:t>
+              <a:t>2021-11-19</a:t>
             </a:fld>
             <a:endParaRPr lang="ko-KR" altLang="en-US" dirty="0"/>
           </a:p>
@@ -1029,7 +1029,7 @@
           <a:p>
             <a:fld id="{27F1C691-57A7-4E6E-8A87-5BFD671F1F9F}" type="datetimeFigureOut">
               <a:rPr lang="ko-KR" altLang="en-US" smtClean="0"/>
-              <a:t>2021-11-18</a:t>
+              <a:t>2021-11-19</a:t>
             </a:fld>
             <a:endParaRPr lang="ko-KR" altLang="en-US" dirty="0"/>
           </a:p>
@@ -1261,7 +1261,7 @@
           <a:p>
             <a:fld id="{27F1C691-57A7-4E6E-8A87-5BFD671F1F9F}" type="datetimeFigureOut">
               <a:rPr lang="ko-KR" altLang="en-US" smtClean="0"/>
-              <a:t>2021-11-18</a:t>
+              <a:t>2021-11-19</a:t>
             </a:fld>
             <a:endParaRPr lang="ko-KR" altLang="en-US" dirty="0"/>
           </a:p>
@@ -1628,7 +1628,7 @@
           <a:p>
             <a:fld id="{27F1C691-57A7-4E6E-8A87-5BFD671F1F9F}" type="datetimeFigureOut">
               <a:rPr lang="ko-KR" altLang="en-US" smtClean="0"/>
-              <a:t>2021-11-18</a:t>
+              <a:t>2021-11-19</a:t>
             </a:fld>
             <a:endParaRPr lang="ko-KR" altLang="en-US" dirty="0"/>
           </a:p>
@@ -1746,7 +1746,7 @@
           <a:p>
             <a:fld id="{27F1C691-57A7-4E6E-8A87-5BFD671F1F9F}" type="datetimeFigureOut">
               <a:rPr lang="ko-KR" altLang="en-US" smtClean="0"/>
-              <a:t>2021-11-18</a:t>
+              <a:t>2021-11-19</a:t>
             </a:fld>
             <a:endParaRPr lang="ko-KR" altLang="en-US" dirty="0"/>
           </a:p>
@@ -1841,7 +1841,7 @@
           <a:p>
             <a:fld id="{27F1C691-57A7-4E6E-8A87-5BFD671F1F9F}" type="datetimeFigureOut">
               <a:rPr lang="ko-KR" altLang="en-US" smtClean="0"/>
-              <a:t>2021-11-18</a:t>
+              <a:t>2021-11-19</a:t>
             </a:fld>
             <a:endParaRPr lang="ko-KR" altLang="en-US" dirty="0"/>
           </a:p>
@@ -2118,7 +2118,7 @@
           <a:p>
             <a:fld id="{27F1C691-57A7-4E6E-8A87-5BFD671F1F9F}" type="datetimeFigureOut">
               <a:rPr lang="ko-KR" altLang="en-US" smtClean="0"/>
-              <a:t>2021-11-18</a:t>
+              <a:t>2021-11-19</a:t>
             </a:fld>
             <a:endParaRPr lang="ko-KR" altLang="en-US" dirty="0"/>
           </a:p>
@@ -2375,7 +2375,7 @@
           <a:p>
             <a:fld id="{27F1C691-57A7-4E6E-8A87-5BFD671F1F9F}" type="datetimeFigureOut">
               <a:rPr lang="ko-KR" altLang="en-US" smtClean="0"/>
-              <a:t>2021-11-18</a:t>
+              <a:t>2021-11-19</a:t>
             </a:fld>
             <a:endParaRPr lang="ko-KR" altLang="en-US" dirty="0"/>
           </a:p>
@@ -2588,7 +2588,7 @@
           <a:p>
             <a:fld id="{27F1C691-57A7-4E6E-8A87-5BFD671F1F9F}" type="datetimeFigureOut">
               <a:rPr lang="ko-KR" altLang="en-US" smtClean="0"/>
-              <a:t>2021-11-18</a:t>
+              <a:t>2021-11-19</a:t>
             </a:fld>
             <a:endParaRPr lang="ko-KR" altLang="en-US" dirty="0"/>
           </a:p>
@@ -5439,7 +5439,7 @@
                   <a14:useLocalDpi xmlns:a14="http://schemas.microsoft.com/office/drawing/2010/main" val="0"/>
                 </a:ext>
                 <a:ext uri="{96DAC541-7B7A-43D3-8B79-37D633B846F1}">
-                  <asvg:svgBlip xmlns:asvg="http://schemas.microsoft.com/office/drawing/2016/SVG/main" xmlns="" r:embed="rId3"/>
+                  <asvg:svgBlip xmlns="" xmlns:asvg="http://schemas.microsoft.com/office/drawing/2016/SVG/main" r:embed="rId3"/>
                 </a:ext>
               </a:extLst>
             </a:blip>
@@ -6782,235 +6782,6 @@
           </a:p>
         </p:txBody>
       </p:sp>
-      <p:grpSp>
-        <p:nvGrpSpPr>
-          <p:cNvPr id="16" name="그룹 15"/>
-          <p:cNvGrpSpPr/>
-          <p:nvPr/>
-        </p:nvGrpSpPr>
-        <p:grpSpPr>
-          <a:xfrm>
-            <a:off x="4628470" y="2211099"/>
-            <a:ext cx="1944570" cy="3887532"/>
-            <a:chOff x="4646547" y="2079217"/>
-            <a:chExt cx="1944570" cy="3887532"/>
-          </a:xfrm>
-        </p:grpSpPr>
-        <p:pic>
-          <p:nvPicPr>
-            <p:cNvPr id="1026" name="Picture 2" descr="2541853857EA02BC16.gif (800×800)"/>
-            <p:cNvPicPr>
-              <a:picLocks noChangeAspect="1" noChangeArrowheads="1"/>
-            </p:cNvPicPr>
-            <p:nvPr/>
-          </p:nvPicPr>
-          <p:blipFill>
-            <a:blip r:embed="rId2" cstate="hqprint">
-              <a:extLst>
-                <a:ext uri="{28A0092B-C50C-407E-A947-70E740481C1C}">
-                  <a14:useLocalDpi xmlns:a14="http://schemas.microsoft.com/office/drawing/2010/main" val="0"/>
-                </a:ext>
-              </a:extLst>
-            </a:blip>
-            <a:srcRect/>
-            <a:stretch>
-              <a:fillRect/>
-            </a:stretch>
-          </p:blipFill>
-          <p:spPr bwMode="auto">
-            <a:xfrm>
-              <a:off x="5124792" y="4978669"/>
-              <a:ext cx="988080" cy="988080"/>
-            </a:xfrm>
-            <a:prstGeom prst="rect">
-              <a:avLst/>
-            </a:prstGeom>
-            <a:noFill/>
-            <a:extLst>
-              <a:ext uri="{909E8E84-426E-40DD-AFC4-6F175D3DCCD1}">
-                <a14:hiddenFill xmlns:a14="http://schemas.microsoft.com/office/drawing/2010/main">
-                  <a:solidFill>
-                    <a:srgbClr val="FFFFFF"/>
-                  </a:solidFill>
-                </a14:hiddenFill>
-              </a:ext>
-            </a:extLst>
-          </p:spPr>
-        </p:pic>
-        <p:grpSp>
-          <p:nvGrpSpPr>
-            <p:cNvPr id="14" name="그룹 13"/>
-            <p:cNvGrpSpPr/>
-            <p:nvPr/>
-          </p:nvGrpSpPr>
-          <p:grpSpPr>
-            <a:xfrm>
-              <a:off x="4699449" y="2079217"/>
-              <a:ext cx="1838767" cy="1046130"/>
-              <a:chOff x="4642035" y="2079217"/>
-              <a:chExt cx="1838767" cy="1046130"/>
-            </a:xfrm>
-          </p:grpSpPr>
-          <p:pic>
-            <p:nvPicPr>
-              <p:cNvPr id="56" name="그림 55"/>
-              <p:cNvPicPr>
-                <a:picLocks noChangeAspect="1"/>
-              </p:cNvPicPr>
-              <p:nvPr/>
-            </p:nvPicPr>
-            <p:blipFill rotWithShape="1">
-              <a:blip r:embed="rId3">
-                <a:clrChange>
-                  <a:clrFrom>
-                    <a:srgbClr val="FFFFFF"/>
-                  </a:clrFrom>
-                  <a:clrTo>
-                    <a:srgbClr val="FFFFFF">
-                      <a:alpha val="0"/>
-                    </a:srgbClr>
-                  </a:clrTo>
-                </a:clrChange>
-              </a:blip>
-              <a:srcRect l="2745" t="18592" r="67688" b="8332"/>
-              <a:stretch/>
-            </p:blipFill>
-            <p:spPr>
-              <a:xfrm>
-                <a:off x="4642035" y="2079217"/>
-                <a:ext cx="738444" cy="1046130"/>
-              </a:xfrm>
-              <a:prstGeom prst="rect">
-                <a:avLst/>
-              </a:prstGeom>
-            </p:spPr>
-          </p:pic>
-          <p:pic>
-            <p:nvPicPr>
-              <p:cNvPr id="8" name="그림 7"/>
-              <p:cNvPicPr>
-                <a:picLocks noChangeAspect="1"/>
-              </p:cNvPicPr>
-              <p:nvPr/>
-            </p:nvPicPr>
-            <p:blipFill rotWithShape="1">
-              <a:blip r:embed="rId3">
-                <a:clrChange>
-                  <a:clrFrom>
-                    <a:srgbClr val="FFFFFF"/>
-                  </a:clrFrom>
-                  <a:clrTo>
-                    <a:srgbClr val="FFFFFF">
-                      <a:alpha val="0"/>
-                    </a:srgbClr>
-                  </a:clrTo>
-                </a:clrChange>
-              </a:blip>
-              <a:srcRect l="32403" t="3305" r="37209" b="25530"/>
-              <a:stretch/>
-            </p:blipFill>
-            <p:spPr>
-              <a:xfrm>
-                <a:off x="5711195" y="2079217"/>
-                <a:ext cx="769607" cy="1033076"/>
-              </a:xfrm>
-              <a:prstGeom prst="rect">
-                <a:avLst/>
-              </a:prstGeom>
-            </p:spPr>
-          </p:pic>
-        </p:grpSp>
-        <p:grpSp>
-          <p:nvGrpSpPr>
-            <p:cNvPr id="15" name="그룹 14"/>
-            <p:cNvGrpSpPr/>
-            <p:nvPr/>
-          </p:nvGrpSpPr>
-          <p:grpSpPr>
-            <a:xfrm>
-              <a:off x="4646547" y="3525051"/>
-              <a:ext cx="1944570" cy="1053914"/>
-              <a:chOff x="4651059" y="3616649"/>
-              <a:chExt cx="1944570" cy="1053914"/>
-            </a:xfrm>
-          </p:grpSpPr>
-          <p:pic>
-            <p:nvPicPr>
-              <p:cNvPr id="1030" name="Picture 6" descr="Bootstrap logo.svg"/>
-              <p:cNvPicPr>
-                <a:picLocks noChangeAspect="1" noChangeArrowheads="1"/>
-              </p:cNvPicPr>
-              <p:nvPr/>
-            </p:nvPicPr>
-            <p:blipFill>
-              <a:blip r:embed="rId4" cstate="print">
-                <a:extLst>
-                  <a:ext uri="{28A0092B-C50C-407E-A947-70E740481C1C}">
-                    <a14:useLocalDpi xmlns:a14="http://schemas.microsoft.com/office/drawing/2010/main" val="0"/>
-                  </a:ext>
-                </a:extLst>
-              </a:blip>
-              <a:srcRect/>
-              <a:stretch>
-                <a:fillRect/>
-              </a:stretch>
-            </p:blipFill>
-            <p:spPr bwMode="auto">
-              <a:xfrm>
-                <a:off x="5596368" y="3745463"/>
-                <a:ext cx="999261" cy="796286"/>
-              </a:xfrm>
-              <a:prstGeom prst="rect">
-                <a:avLst/>
-              </a:prstGeom>
-              <a:noFill/>
-              <a:extLst>
-                <a:ext uri="{909E8E84-426E-40DD-AFC4-6F175D3DCCD1}">
-                  <a14:hiddenFill xmlns:a14="http://schemas.microsoft.com/office/drawing/2010/main">
-                    <a:solidFill>
-                      <a:srgbClr val="FFFFFF"/>
-                    </a:solidFill>
-                  </a14:hiddenFill>
-                </a:ext>
-              </a:extLst>
-            </p:spPr>
-          </p:pic>
-          <p:pic>
-            <p:nvPicPr>
-              <p:cNvPr id="57" name="그림 56"/>
-              <p:cNvPicPr>
-                <a:picLocks noChangeAspect="1"/>
-              </p:cNvPicPr>
-              <p:nvPr/>
-            </p:nvPicPr>
-            <p:blipFill rotWithShape="1">
-              <a:blip r:embed="rId3">
-                <a:clrChange>
-                  <a:clrFrom>
-                    <a:srgbClr val="FFFFFF"/>
-                  </a:clrFrom>
-                  <a:clrTo>
-                    <a:srgbClr val="FFFFFF">
-                      <a:alpha val="0"/>
-                    </a:srgbClr>
-                  </a:clrTo>
-                </a:clrChange>
-              </a:blip>
-              <a:srcRect l="62382" t="19331" r="8051" b="5204"/>
-              <a:stretch/>
-            </p:blipFill>
-            <p:spPr>
-              <a:xfrm>
-                <a:off x="4651059" y="3616649"/>
-                <a:ext cx="720397" cy="1053914"/>
-              </a:xfrm>
-              <a:prstGeom prst="rect">
-                <a:avLst/>
-              </a:prstGeom>
-            </p:spPr>
-          </p:pic>
-        </p:grpSp>
-      </p:grpSp>
       <p:pic>
         <p:nvPicPr>
           <p:cNvPr id="1028" name="Picture 4" descr="https://media.vlpt.us/images/galaxy/post/b501f325-1810-4e26-962e-e66ca0b94ca9/image.png"/>
@@ -7020,7 +6791,7 @@
           <p:nvPr/>
         </p:nvPicPr>
         <p:blipFill>
-          <a:blip r:embed="rId5" cstate="print">
+          <a:blip r:embed="rId2" cstate="print">
             <a:extLst>
               <a:ext uri="{28A0092B-C50C-407E-A947-70E740481C1C}">
                 <a14:useLocalDpi xmlns:a14="http://schemas.microsoft.com/office/drawing/2010/main" val="0"/>
@@ -7061,7 +6832,7 @@
           <p:nvPr/>
         </p:nvPicPr>
         <p:blipFill>
-          <a:blip r:embed="rId6" cstate="print">
+          <a:blip r:embed="rId3" cstate="print">
             <a:extLst>
               <a:ext uri="{28A0092B-C50C-407E-A947-70E740481C1C}">
                 <a14:useLocalDpi xmlns:a14="http://schemas.microsoft.com/office/drawing/2010/main" val="0"/>
@@ -7102,7 +6873,7 @@
           <p:nvPr/>
         </p:nvPicPr>
         <p:blipFill rotWithShape="1">
-          <a:blip r:embed="rId7">
+          <a:blip r:embed="rId4">
             <a:clrChange>
               <a:clrFrom>
                 <a:srgbClr val="F2F2F2"/>
@@ -7136,7 +6907,7 @@
           <p:nvPr/>
         </p:nvPicPr>
         <p:blipFill>
-          <a:blip r:embed="rId8" cstate="print">
+          <a:blip r:embed="rId5" cstate="print">
             <a:clrChange>
               <a:clrFrom>
                 <a:srgbClr val="FFFFFF"/>
@@ -7187,7 +6958,7 @@
           <p:nvPr/>
         </p:nvPicPr>
         <p:blipFill>
-          <a:blip r:embed="rId9">
+          <a:blip r:embed="rId6">
             <a:extLst>
               <a:ext uri="{28A0092B-C50C-407E-A947-70E740481C1C}">
                 <a14:useLocalDpi xmlns:a14="http://schemas.microsoft.com/office/drawing/2010/main" val="0"/>
@@ -7201,49 +6972,8 @@
         </p:blipFill>
         <p:spPr bwMode="auto">
           <a:xfrm>
-            <a:off x="9934872" y="3560356"/>
+            <a:off x="9738108" y="3568200"/>
             <a:ext cx="1428750" cy="1428750"/>
-          </a:xfrm>
-          <a:prstGeom prst="rect">
-            <a:avLst/>
-          </a:prstGeom>
-          <a:noFill/>
-          <a:extLst>
-            <a:ext uri="{909E8E84-426E-40DD-AFC4-6F175D3DCCD1}">
-              <a14:hiddenFill xmlns:a14="http://schemas.microsoft.com/office/drawing/2010/main">
-                <a:solidFill>
-                  <a:srgbClr val="FFFFFF"/>
-                </a:solidFill>
-              </a14:hiddenFill>
-            </a:ext>
-          </a:extLst>
-        </p:spPr>
-      </p:pic>
-      <p:pic>
-        <p:nvPicPr>
-          <p:cNvPr id="4" name="Picture 4" descr="파일:AJAX logo by gengns.svg - 위키백과, 우리 모두의 백과사전"/>
-          <p:cNvPicPr>
-            <a:picLocks noChangeAspect="1" noChangeArrowheads="1"/>
-          </p:cNvPicPr>
-          <p:nvPr/>
-        </p:nvPicPr>
-        <p:blipFill>
-          <a:blip r:embed="rId10" cstate="hqprint">
-            <a:extLst>
-              <a:ext uri="{28A0092B-C50C-407E-A947-70E740481C1C}">
-                <a14:useLocalDpi xmlns:a14="http://schemas.microsoft.com/office/drawing/2010/main" val="0"/>
-              </a:ext>
-            </a:extLst>
-          </a:blip>
-          <a:srcRect/>
-          <a:stretch>
-            <a:fillRect/>
-          </a:stretch>
-        </p:blipFill>
-        <p:spPr bwMode="auto">
-          <a:xfrm>
-            <a:off x="7893104" y="3738211"/>
-            <a:ext cx="2014655" cy="967034"/>
           </a:xfrm>
           <a:prstGeom prst="rect">
             <a:avLst/>
@@ -7262,115 +6992,385 @@
       </p:pic>
       <p:grpSp>
         <p:nvGrpSpPr>
-          <p:cNvPr id="44" name="그룹 43">
-            <a:extLst>
-              <a:ext uri="{FF2B5EF4-FFF2-40B4-BE49-F238E27FC236}">
-                <a16:creationId xmlns:a16="http://schemas.microsoft.com/office/drawing/2014/main" id="{0ABC0CBD-D35C-4463-8807-D1403635EB8A}"/>
-              </a:ext>
-            </a:extLst>
-          </p:cNvPr>
+          <p:cNvPr id="9" name="그룹 8"/>
           <p:cNvGrpSpPr/>
           <p:nvPr/>
         </p:nvGrpSpPr>
         <p:grpSpPr>
           <a:xfrm>
-            <a:off x="4465846" y="1667112"/>
-            <a:ext cx="2269818" cy="369332"/>
-            <a:chOff x="-1222091" y="2385308"/>
-            <a:chExt cx="1518353" cy="381901"/>
+            <a:off x="4283180" y="1667112"/>
+            <a:ext cx="2780400" cy="4449852"/>
+            <a:chOff x="4283180" y="1667112"/>
+            <a:chExt cx="2780400" cy="4449852"/>
           </a:xfrm>
         </p:grpSpPr>
-        <p:sp>
-          <p:nvSpPr>
-            <p:cNvPr id="45" name="직사각형 44">
+        <p:pic>
+          <p:nvPicPr>
+            <p:cNvPr id="1026" name="Picture 2" descr="2541853857EA02BC16.gif (800×800)"/>
+            <p:cNvPicPr>
+              <a:picLocks noChangeAspect="1" noChangeArrowheads="1"/>
+            </p:cNvPicPr>
+            <p:nvPr/>
+          </p:nvPicPr>
+          <p:blipFill>
+            <a:blip r:embed="rId7" cstate="hqprint">
               <a:extLst>
-                <a:ext uri="{FF2B5EF4-FFF2-40B4-BE49-F238E27FC236}">
-                  <a16:creationId xmlns:a16="http://schemas.microsoft.com/office/drawing/2014/main" id="{B4774935-739C-4FB8-9887-24FFDC85AA26}"/>
+                <a:ext uri="{28A0092B-C50C-407E-A947-70E740481C1C}">
+                  <a14:useLocalDpi xmlns:a14="http://schemas.microsoft.com/office/drawing/2010/main" val="0"/>
                 </a:ext>
               </a:extLst>
-            </p:cNvPr>
-            <p:cNvSpPr/>
-            <p:nvPr/>
-          </p:nvSpPr>
-          <p:spPr>
+            </a:blip>
+            <a:srcRect/>
+            <a:stretch>
+              <a:fillRect/>
+            </a:stretch>
+          </p:blipFill>
+          <p:spPr bwMode="auto">
             <a:xfrm>
-              <a:off x="-1222091" y="2407169"/>
-              <a:ext cx="1518353" cy="360040"/>
-            </a:xfrm>
-            <a:prstGeom prst="rect">
-              <a:avLst/>
-            </a:prstGeom>
-            <a:solidFill>
-              <a:srgbClr val="B39B96"/>
-            </a:solidFill>
-            <a:ln>
-              <a:noFill/>
-            </a:ln>
-          </p:spPr>
-          <p:style>
-            <a:lnRef idx="2">
-              <a:schemeClr val="accent1">
-                <a:shade val="50000"/>
-              </a:schemeClr>
-            </a:lnRef>
-            <a:fillRef idx="1">
-              <a:schemeClr val="accent1"/>
-            </a:fillRef>
-            <a:effectRef idx="0">
-              <a:schemeClr val="accent1"/>
-            </a:effectRef>
-            <a:fontRef idx="minor">
-              <a:schemeClr val="lt1"/>
-            </a:fontRef>
-          </p:style>
-          <p:txBody>
-            <a:bodyPr rtlCol="0" anchor="ctr"/>
-            <a:lstStyle/>
-            <a:p>
-              <a:pPr algn="ctr"/>
-              <a:endParaRPr lang="ko-KR" altLang="en-US"/>
-            </a:p>
-          </p:txBody>
-        </p:sp>
-        <p:sp>
-          <p:nvSpPr>
-            <p:cNvPr id="46" name="TextBox 45">
-              <a:extLst>
-                <a:ext uri="{FF2B5EF4-FFF2-40B4-BE49-F238E27FC236}">
-                  <a16:creationId xmlns:a16="http://schemas.microsoft.com/office/drawing/2014/main" id="{F25BE5D1-7AA3-4AE0-B728-83C975853A92}"/>
-                </a:ext>
-              </a:extLst>
-            </p:cNvPr>
-            <p:cNvSpPr txBox="1"/>
-            <p:nvPr/>
-          </p:nvSpPr>
-          <p:spPr>
-            <a:xfrm>
-              <a:off x="-1072635" y="2385308"/>
-              <a:ext cx="1165980" cy="381901"/>
+              <a:off x="4283180" y="5128884"/>
+              <a:ext cx="988080" cy="988080"/>
             </a:xfrm>
             <a:prstGeom prst="rect">
               <a:avLst/>
             </a:prstGeom>
             <a:noFill/>
+            <a:extLst>
+              <a:ext uri="{909E8E84-426E-40DD-AFC4-6F175D3DCCD1}">
+                <a14:hiddenFill xmlns:a14="http://schemas.microsoft.com/office/drawing/2010/main">
+                  <a:solidFill>
+                    <a:srgbClr val="FFFFFF"/>
+                  </a:solidFill>
+                </a14:hiddenFill>
+              </a:ext>
+            </a:extLst>
           </p:spPr>
-          <p:txBody>
-            <a:bodyPr wrap="square" rtlCol="0">
-              <a:spAutoFit/>
-            </a:bodyPr>
-            <a:lstStyle/>
-            <a:p>
-              <a:pPr algn="ctr"/>
-              <a:r>
-                <a:rPr lang="en-US" altLang="ko-KR" dirty="0" smtClean="0">
-                  <a:latin typeface="나눔고딕" pitchFamily="50" charset="-127"/>
-                  <a:ea typeface="나눔고딕" pitchFamily="50" charset="-127"/>
-                </a:rPr>
-                <a:t>Front-end</a:t>
-              </a:r>
-            </a:p>
-          </p:txBody>
-        </p:sp>
+        </p:pic>
+        <p:grpSp>
+          <p:nvGrpSpPr>
+            <p:cNvPr id="14" name="그룹 13"/>
+            <p:cNvGrpSpPr/>
+            <p:nvPr/>
+          </p:nvGrpSpPr>
+          <p:grpSpPr>
+            <a:xfrm>
+              <a:off x="4650316" y="2229432"/>
+              <a:ext cx="1838767" cy="1046130"/>
+              <a:chOff x="4642035" y="2079217"/>
+              <a:chExt cx="1838767" cy="1046130"/>
+            </a:xfrm>
+          </p:grpSpPr>
+          <p:pic>
+            <p:nvPicPr>
+              <p:cNvPr id="56" name="그림 55"/>
+              <p:cNvPicPr>
+                <a:picLocks noChangeAspect="1"/>
+              </p:cNvPicPr>
+              <p:nvPr/>
+            </p:nvPicPr>
+            <p:blipFill rotWithShape="1">
+              <a:blip r:embed="rId8">
+                <a:clrChange>
+                  <a:clrFrom>
+                    <a:srgbClr val="FFFFFF"/>
+                  </a:clrFrom>
+                  <a:clrTo>
+                    <a:srgbClr val="FFFFFF">
+                      <a:alpha val="0"/>
+                    </a:srgbClr>
+                  </a:clrTo>
+                </a:clrChange>
+              </a:blip>
+              <a:srcRect l="2745" t="18592" r="67688" b="8332"/>
+              <a:stretch/>
+            </p:blipFill>
+            <p:spPr>
+              <a:xfrm>
+                <a:off x="4642035" y="2079217"/>
+                <a:ext cx="738444" cy="1046130"/>
+              </a:xfrm>
+              <a:prstGeom prst="rect">
+                <a:avLst/>
+              </a:prstGeom>
+            </p:spPr>
+          </p:pic>
+          <p:pic>
+            <p:nvPicPr>
+              <p:cNvPr id="8" name="그림 7"/>
+              <p:cNvPicPr>
+                <a:picLocks noChangeAspect="1"/>
+              </p:cNvPicPr>
+              <p:nvPr/>
+            </p:nvPicPr>
+            <p:blipFill rotWithShape="1">
+              <a:blip r:embed="rId8">
+                <a:clrChange>
+                  <a:clrFrom>
+                    <a:srgbClr val="FFFFFF"/>
+                  </a:clrFrom>
+                  <a:clrTo>
+                    <a:srgbClr val="FFFFFF">
+                      <a:alpha val="0"/>
+                    </a:srgbClr>
+                  </a:clrTo>
+                </a:clrChange>
+              </a:blip>
+              <a:srcRect l="32403" t="3305" r="37209" b="25530"/>
+              <a:stretch/>
+            </p:blipFill>
+            <p:spPr>
+              <a:xfrm>
+                <a:off x="5711195" y="2079217"/>
+                <a:ext cx="769607" cy="1033076"/>
+              </a:xfrm>
+              <a:prstGeom prst="rect">
+                <a:avLst/>
+              </a:prstGeom>
+            </p:spPr>
+          </p:pic>
+        </p:grpSp>
+        <p:grpSp>
+          <p:nvGrpSpPr>
+            <p:cNvPr id="15" name="그룹 14"/>
+            <p:cNvGrpSpPr/>
+            <p:nvPr/>
+          </p:nvGrpSpPr>
+          <p:grpSpPr>
+            <a:xfrm>
+              <a:off x="4597414" y="3675266"/>
+              <a:ext cx="1944570" cy="1053914"/>
+              <a:chOff x="4651059" y="3616649"/>
+              <a:chExt cx="1944570" cy="1053914"/>
+            </a:xfrm>
+          </p:grpSpPr>
+          <p:pic>
+            <p:nvPicPr>
+              <p:cNvPr id="1030" name="Picture 6" descr="Bootstrap logo.svg"/>
+              <p:cNvPicPr>
+                <a:picLocks noChangeAspect="1" noChangeArrowheads="1"/>
+              </p:cNvPicPr>
+              <p:nvPr/>
+            </p:nvPicPr>
+            <p:blipFill>
+              <a:blip r:embed="rId9" cstate="print">
+                <a:extLst>
+                  <a:ext uri="{28A0092B-C50C-407E-A947-70E740481C1C}">
+                    <a14:useLocalDpi xmlns:a14="http://schemas.microsoft.com/office/drawing/2010/main" val="0"/>
+                  </a:ext>
+                </a:extLst>
+              </a:blip>
+              <a:srcRect/>
+              <a:stretch>
+                <a:fillRect/>
+              </a:stretch>
+            </p:blipFill>
+            <p:spPr bwMode="auto">
+              <a:xfrm>
+                <a:off x="5596368" y="3745463"/>
+                <a:ext cx="999261" cy="796286"/>
+              </a:xfrm>
+              <a:prstGeom prst="rect">
+                <a:avLst/>
+              </a:prstGeom>
+              <a:noFill/>
+              <a:extLst>
+                <a:ext uri="{909E8E84-426E-40DD-AFC4-6F175D3DCCD1}">
+                  <a14:hiddenFill xmlns:a14="http://schemas.microsoft.com/office/drawing/2010/main">
+                    <a:solidFill>
+                      <a:srgbClr val="FFFFFF"/>
+                    </a:solidFill>
+                  </a14:hiddenFill>
+                </a:ext>
+              </a:extLst>
+            </p:spPr>
+          </p:pic>
+          <p:pic>
+            <p:nvPicPr>
+              <p:cNvPr id="57" name="그림 56"/>
+              <p:cNvPicPr>
+                <a:picLocks noChangeAspect="1"/>
+              </p:cNvPicPr>
+              <p:nvPr/>
+            </p:nvPicPr>
+            <p:blipFill rotWithShape="1">
+              <a:blip r:embed="rId8">
+                <a:clrChange>
+                  <a:clrFrom>
+                    <a:srgbClr val="FFFFFF"/>
+                  </a:clrFrom>
+                  <a:clrTo>
+                    <a:srgbClr val="FFFFFF">
+                      <a:alpha val="0"/>
+                    </a:srgbClr>
+                  </a:clrTo>
+                </a:clrChange>
+              </a:blip>
+              <a:srcRect l="62382" t="19331" r="8051" b="5204"/>
+              <a:stretch/>
+            </p:blipFill>
+            <p:spPr>
+              <a:xfrm>
+                <a:off x="4651059" y="3616649"/>
+                <a:ext cx="720397" cy="1053914"/>
+              </a:xfrm>
+              <a:prstGeom prst="rect">
+                <a:avLst/>
+              </a:prstGeom>
+            </p:spPr>
+          </p:pic>
+        </p:grpSp>
+        <p:pic>
+          <p:nvPicPr>
+            <p:cNvPr id="4" name="Picture 4" descr="파일:AJAX logo by gengns.svg - 위키백과, 우리 모두의 백과사전"/>
+            <p:cNvPicPr>
+              <a:picLocks noChangeAspect="1" noChangeArrowheads="1"/>
+            </p:cNvPicPr>
+            <p:nvPr/>
+          </p:nvPicPr>
+          <p:blipFill>
+            <a:blip r:embed="rId10" cstate="hqprint">
+              <a:extLst>
+                <a:ext uri="{28A0092B-C50C-407E-A947-70E740481C1C}">
+                  <a14:useLocalDpi xmlns:a14="http://schemas.microsoft.com/office/drawing/2010/main" val="0"/>
+                </a:ext>
+              </a:extLst>
+            </a:blip>
+            <a:srcRect/>
+            <a:stretch>
+              <a:fillRect/>
+            </a:stretch>
+          </p:blipFill>
+          <p:spPr bwMode="auto">
+            <a:xfrm>
+              <a:off x="5398575" y="5159838"/>
+              <a:ext cx="1665005" cy="799202"/>
+            </a:xfrm>
+            <a:prstGeom prst="rect">
+              <a:avLst/>
+            </a:prstGeom>
+            <a:noFill/>
+            <a:extLst>
+              <a:ext uri="{909E8E84-426E-40DD-AFC4-6F175D3DCCD1}">
+                <a14:hiddenFill xmlns:a14="http://schemas.microsoft.com/office/drawing/2010/main">
+                  <a:solidFill>
+                    <a:srgbClr val="FFFFFF"/>
+                  </a:solidFill>
+                </a14:hiddenFill>
+              </a:ext>
+            </a:extLst>
+          </p:spPr>
+        </p:pic>
+        <p:grpSp>
+          <p:nvGrpSpPr>
+            <p:cNvPr id="44" name="그룹 43">
+              <a:extLst>
+                <a:ext uri="{FF2B5EF4-FFF2-40B4-BE49-F238E27FC236}">
+                  <a16:creationId xmlns:a16="http://schemas.microsoft.com/office/drawing/2014/main" id="{0ABC0CBD-D35C-4463-8807-D1403635EB8A}"/>
+                </a:ext>
+              </a:extLst>
+            </p:cNvPr>
+            <p:cNvGrpSpPr/>
+            <p:nvPr/>
+          </p:nvGrpSpPr>
+          <p:grpSpPr>
+            <a:xfrm>
+              <a:off x="4465846" y="1667112"/>
+              <a:ext cx="2269818" cy="369332"/>
+              <a:chOff x="-1222091" y="2385308"/>
+              <a:chExt cx="1518353" cy="381901"/>
+            </a:xfrm>
+          </p:grpSpPr>
+          <p:sp>
+            <p:nvSpPr>
+              <p:cNvPr id="45" name="직사각형 44">
+                <a:extLst>
+                  <a:ext uri="{FF2B5EF4-FFF2-40B4-BE49-F238E27FC236}">
+                    <a16:creationId xmlns:a16="http://schemas.microsoft.com/office/drawing/2014/main" id="{B4774935-739C-4FB8-9887-24FFDC85AA26}"/>
+                  </a:ext>
+                </a:extLst>
+              </p:cNvPr>
+              <p:cNvSpPr/>
+              <p:nvPr/>
+            </p:nvSpPr>
+            <p:spPr>
+              <a:xfrm>
+                <a:off x="-1222091" y="2407169"/>
+                <a:ext cx="1518353" cy="360040"/>
+              </a:xfrm>
+              <a:prstGeom prst="rect">
+                <a:avLst/>
+              </a:prstGeom>
+              <a:solidFill>
+                <a:srgbClr val="B39B96"/>
+              </a:solidFill>
+              <a:ln>
+                <a:noFill/>
+              </a:ln>
+            </p:spPr>
+            <p:style>
+              <a:lnRef idx="2">
+                <a:schemeClr val="accent1">
+                  <a:shade val="50000"/>
+                </a:schemeClr>
+              </a:lnRef>
+              <a:fillRef idx="1">
+                <a:schemeClr val="accent1"/>
+              </a:fillRef>
+              <a:effectRef idx="0">
+                <a:schemeClr val="accent1"/>
+              </a:effectRef>
+              <a:fontRef idx="minor">
+                <a:schemeClr val="lt1"/>
+              </a:fontRef>
+            </p:style>
+            <p:txBody>
+              <a:bodyPr rtlCol="0" anchor="ctr"/>
+              <a:lstStyle/>
+              <a:p>
+                <a:pPr algn="ctr"/>
+                <a:endParaRPr lang="ko-KR" altLang="en-US"/>
+              </a:p>
+            </p:txBody>
+          </p:sp>
+          <p:sp>
+            <p:nvSpPr>
+              <p:cNvPr id="46" name="TextBox 45">
+                <a:extLst>
+                  <a:ext uri="{FF2B5EF4-FFF2-40B4-BE49-F238E27FC236}">
+                    <a16:creationId xmlns:a16="http://schemas.microsoft.com/office/drawing/2014/main" id="{F25BE5D1-7AA3-4AE0-B728-83C975853A92}"/>
+                  </a:ext>
+                </a:extLst>
+              </p:cNvPr>
+              <p:cNvSpPr txBox="1"/>
+              <p:nvPr/>
+            </p:nvSpPr>
+            <p:spPr>
+              <a:xfrm>
+                <a:off x="-1072635" y="2385308"/>
+                <a:ext cx="1165980" cy="381901"/>
+              </a:xfrm>
+              <a:prstGeom prst="rect">
+                <a:avLst/>
+              </a:prstGeom>
+              <a:noFill/>
+            </p:spPr>
+            <p:txBody>
+              <a:bodyPr wrap="square" rtlCol="0">
+                <a:spAutoFit/>
+              </a:bodyPr>
+              <a:lstStyle/>
+              <a:p>
+                <a:pPr algn="ctr"/>
+                <a:r>
+                  <a:rPr lang="en-US" altLang="ko-KR" dirty="0" smtClean="0">
+                    <a:latin typeface="나눔고딕" pitchFamily="50" charset="-127"/>
+                    <a:ea typeface="나눔고딕" pitchFamily="50" charset="-127"/>
+                  </a:rPr>
+                  <a:t>Front-end</a:t>
+                </a:r>
+              </a:p>
+            </p:txBody>
+          </p:sp>
+        </p:grpSp>
       </p:grpSp>
       <p:grpSp>
         <p:nvGrpSpPr>
@@ -7667,7 +7667,7 @@
         </p:blipFill>
         <p:spPr bwMode="auto">
           <a:xfrm>
-            <a:off x="7865993" y="4926744"/>
+            <a:off x="7792584" y="3628570"/>
             <a:ext cx="2068879" cy="1117195"/>
           </a:xfrm>
           <a:prstGeom prst="rect">
